--- a/Teorie/GeorgeIulianNitroiDisertatie.pptx
+++ b/Teorie/GeorgeIulianNitroiDisertatie.pptx
@@ -231,7 +231,7 @@
           <a:p>
             <a:fld id="{B9386158-112B-4FF8-B6A9-DE1B71C15D04}" type="datetimeFigureOut">
               <a:rPr lang="ro-RO" smtClean="0"/>
-              <a:t>20.06.2020</a:t>
+              <a:t>23.06.2020</a:t>
             </a:fld>
             <a:endParaRPr lang="ro-RO"/>
           </a:p>
@@ -769,7 +769,7 @@
             <a:fld id="{69E7B2AD-34D6-4093-8772-DC8079B6D005}" type="datetimeFigureOut">
               <a:rPr lang="en-US" smtClean="0"/>
               <a:pPr/>
-              <a:t>6/20/2020</a:t>
+              <a:t>6/23/2020</a:t>
             </a:fld>
             <a:endParaRPr lang="en-US"/>
           </a:p>
@@ -936,7 +936,7 @@
             <a:fld id="{69E7B2AD-34D6-4093-8772-DC8079B6D005}" type="datetimeFigureOut">
               <a:rPr lang="en-US" smtClean="0"/>
               <a:pPr/>
-              <a:t>6/20/2020</a:t>
+              <a:t>6/23/2020</a:t>
             </a:fld>
             <a:endParaRPr lang="en-US"/>
           </a:p>
@@ -1113,7 +1113,7 @@
             <a:fld id="{69E7B2AD-34D6-4093-8772-DC8079B6D005}" type="datetimeFigureOut">
               <a:rPr lang="en-US" smtClean="0"/>
               <a:pPr/>
-              <a:t>6/20/2020</a:t>
+              <a:t>6/23/2020</a:t>
             </a:fld>
             <a:endParaRPr lang="en-US"/>
           </a:p>
@@ -1280,7 +1280,7 @@
             <a:fld id="{69E7B2AD-34D6-4093-8772-DC8079B6D005}" type="datetimeFigureOut">
               <a:rPr lang="en-US" smtClean="0"/>
               <a:pPr/>
-              <a:t>6/20/2020</a:t>
+              <a:t>6/23/2020</a:t>
             </a:fld>
             <a:endParaRPr lang="en-US"/>
           </a:p>
@@ -1523,7 +1523,7 @@
             <a:fld id="{69E7B2AD-34D6-4093-8772-DC8079B6D005}" type="datetimeFigureOut">
               <a:rPr lang="en-US" smtClean="0"/>
               <a:pPr/>
-              <a:t>6/20/2020</a:t>
+              <a:t>6/23/2020</a:t>
             </a:fld>
             <a:endParaRPr lang="en-US"/>
           </a:p>
@@ -1808,7 +1808,7 @@
             <a:fld id="{69E7B2AD-34D6-4093-8772-DC8079B6D005}" type="datetimeFigureOut">
               <a:rPr lang="en-US" smtClean="0"/>
               <a:pPr/>
-              <a:t>6/20/2020</a:t>
+              <a:t>6/23/2020</a:t>
             </a:fld>
             <a:endParaRPr lang="en-US"/>
           </a:p>
@@ -2227,7 +2227,7 @@
             <a:fld id="{69E7B2AD-34D6-4093-8772-DC8079B6D005}" type="datetimeFigureOut">
               <a:rPr lang="en-US" smtClean="0"/>
               <a:pPr/>
-              <a:t>6/20/2020</a:t>
+              <a:t>6/23/2020</a:t>
             </a:fld>
             <a:endParaRPr lang="en-US"/>
           </a:p>
@@ -2342,7 +2342,7 @@
             <a:fld id="{69E7B2AD-34D6-4093-8772-DC8079B6D005}" type="datetimeFigureOut">
               <a:rPr lang="en-US" smtClean="0"/>
               <a:pPr/>
-              <a:t>6/20/2020</a:t>
+              <a:t>6/23/2020</a:t>
             </a:fld>
             <a:endParaRPr lang="en-US"/>
           </a:p>
@@ -2434,7 +2434,7 @@
             <a:fld id="{69E7B2AD-34D6-4093-8772-DC8079B6D005}" type="datetimeFigureOut">
               <a:rPr lang="en-US" smtClean="0"/>
               <a:pPr/>
-              <a:t>6/20/2020</a:t>
+              <a:t>6/23/2020</a:t>
             </a:fld>
             <a:endParaRPr lang="en-US"/>
           </a:p>
@@ -2708,7 +2708,7 @@
             <a:fld id="{69E7B2AD-34D6-4093-8772-DC8079B6D005}" type="datetimeFigureOut">
               <a:rPr lang="en-US" smtClean="0"/>
               <a:pPr/>
-              <a:t>6/20/2020</a:t>
+              <a:t>6/23/2020</a:t>
             </a:fld>
             <a:endParaRPr lang="en-US"/>
           </a:p>
@@ -2958,7 +2958,7 @@
             <a:fld id="{69E7B2AD-34D6-4093-8772-DC8079B6D005}" type="datetimeFigureOut">
               <a:rPr lang="en-US" smtClean="0"/>
               <a:pPr/>
-              <a:t>6/20/2020</a:t>
+              <a:t>6/23/2020</a:t>
             </a:fld>
             <a:endParaRPr lang="en-US"/>
           </a:p>
@@ -3168,7 +3168,7 @@
             <a:fld id="{69E7B2AD-34D6-4093-8772-DC8079B6D005}" type="datetimeFigureOut">
               <a:rPr lang="en-US" smtClean="0"/>
               <a:pPr/>
-              <a:t>6/20/2020</a:t>
+              <a:t>6/23/2020</a:t>
             </a:fld>
             <a:endParaRPr lang="en-US"/>
           </a:p>
@@ -5663,7 +5663,7 @@
             </a:pPr>
             <a:r>
               <a:rPr lang="ro-RO" sz="2500" dirty="0"/>
-              <a:t>Implementarea unei aplicații web cu un serviciu de autentificare și gestiune al utilizatorilor ce comunică cu serverul web pentru a genera descrierile imaginilor</a:t>
+              <a:t>Implementarea unei aplicații android cu un serviciu de autentificare și gestiune al utilizatorilor ce comunică cu serverul web pentru a genera descrierile imaginilor</a:t>
             </a:r>
             <a:endParaRPr lang="en-US" sz="2500" dirty="0"/>
           </a:p>
@@ -6309,8 +6309,8 @@
         </p:nvSpPr>
         <p:spPr>
           <a:xfrm>
-            <a:off x="-108520" y="1757456"/>
-            <a:ext cx="3571900" cy="523220"/>
+            <a:off x="142030" y="1744833"/>
+            <a:ext cx="4738032" cy="1446550"/>
           </a:xfrm>
           <a:prstGeom prst="rect">
             <a:avLst/>
@@ -6332,6 +6332,12 @@
               <a:t> Scopul proiectului</a:t>
             </a:r>
           </a:p>
+          <a:p>
+            <a:r>
+              <a:rPr lang="ro-RO" sz="2000" dirty="0"/>
+              <a:t> Descrierea  conținutului vizual de pe terminalele mobile cu ajutorul unui model de rețea neuronală</a:t>
+            </a:r>
+          </a:p>
         </p:txBody>
       </p:sp>
       <p:sp>
@@ -6342,8 +6348,8 @@
         </p:nvSpPr>
         <p:spPr>
           <a:xfrm>
-            <a:off x="-108520" y="4006648"/>
-            <a:ext cx="3709627" cy="523220"/>
+            <a:off x="142030" y="3369793"/>
+            <a:ext cx="4738032" cy="3416320"/>
           </a:xfrm>
           <a:prstGeom prst="rect">
             <a:avLst/>
@@ -6364,6 +6370,43 @@
               <a:rPr lang="ro-RO" sz="2800" dirty="0"/>
               <a:t>Obiectivele propuse</a:t>
             </a:r>
+          </a:p>
+          <a:p>
+            <a:pPr marL="457200" indent="-457200">
+              <a:buFont typeface="Arial" panose="020B0604020202020204" pitchFamily="34" charset="0"/>
+              <a:buChar char="•"/>
+            </a:pPr>
+            <a:r>
+              <a:rPr lang="ro-RO" sz="2000" dirty="0"/>
+              <a:t>Implementarea și antrenarea unei rețele neuronale care va genera o descrierea textuală pe baza unei poze</a:t>
+            </a:r>
+          </a:p>
+          <a:p>
+            <a:pPr marL="457200" indent="-457200">
+              <a:buFont typeface="Arial" panose="020B0604020202020204" pitchFamily="34" charset="0"/>
+              <a:buChar char="•"/>
+            </a:pPr>
+            <a:r>
+              <a:rPr lang="ro-RO" sz="2000" dirty="0"/>
+              <a:t>Implementarea unui server care să permită utilizarea modelului print REST API</a:t>
+            </a:r>
+          </a:p>
+          <a:p>
+            <a:pPr marL="457200" indent="-457200">
+              <a:buFont typeface="Arial" panose="020B0604020202020204" pitchFamily="34" charset="0"/>
+              <a:buChar char="•"/>
+            </a:pPr>
+            <a:r>
+              <a:rPr lang="ro-RO" sz="2000" dirty="0"/>
+              <a:t>Dezvoltarea unei aplicații mobile care să comunice cu serverul</a:t>
+            </a:r>
+          </a:p>
+          <a:p>
+            <a:pPr marL="514350" indent="-514350">
+              <a:buFont typeface="Wingdings" panose="05000000000000000000" pitchFamily="2" charset="2"/>
+              <a:buChar char="v"/>
+            </a:pPr>
+            <a:endParaRPr lang="ro-RO" sz="2800" dirty="0"/>
           </a:p>
         </p:txBody>
       </p:sp>
@@ -8245,7 +8288,7 @@
         <p:spPr>
           <a:xfrm>
             <a:off x="3707904" y="3751297"/>
-            <a:ext cx="2448272" cy="369332"/>
+            <a:ext cx="4392488" cy="369332"/>
           </a:xfrm>
           <a:prstGeom prst="rect">
             <a:avLst/>
@@ -8259,10 +8302,26 @@
           <a:lstStyle/>
           <a:p>
             <a:r>
-              <a:rPr lang="ro-RO" dirty="0"/>
+              <a:rPr lang="ro-RO" b="1" dirty="0"/>
               <a:t>Evoluția funcției cost</a:t>
             </a:r>
-            <a:endParaRPr lang="en-US" dirty="0"/>
+            <a:r>
+              <a:rPr lang="en-US" b="1" dirty="0"/>
+              <a:t> pe </a:t>
+            </a:r>
+            <a:r>
+              <a:rPr lang="en-US" b="1" dirty="0" err="1"/>
+              <a:t>setul</a:t>
+            </a:r>
+            <a:r>
+              <a:rPr lang="en-US" b="1" dirty="0"/>
+              <a:t> de </a:t>
+            </a:r>
+            <a:r>
+              <a:rPr lang="en-US" b="1" dirty="0" err="1"/>
+              <a:t>validare</a:t>
+            </a:r>
+            <a:endParaRPr lang="en-US" b="1" dirty="0"/>
           </a:p>
         </p:txBody>
       </p:sp>
@@ -9770,12 +9829,16 @@
               <a:buChar char="•"/>
             </a:pPr>
             <a:r>
-              <a:rPr lang="ro-RO" sz="2400" dirty="0" err="1"/>
-              <a:t>Django</a:t>
+              <a:rPr lang="en-US" sz="2400"/>
+              <a:t>Flask</a:t>
+            </a:r>
+            <a:r>
+              <a:rPr lang="ro-RO" sz="2400"/>
+              <a:t>(</a:t>
             </a:r>
             <a:r>
               <a:rPr lang="ro-RO" sz="2400" dirty="0"/>
-              <a:t>(REST API)</a:t>
+              <a:t>REST API)</a:t>
             </a:r>
           </a:p>
           <a:p>
